--- a/MSG from dfs.pptx
+++ b/MSG from dfs.pptx
@@ -13,6 +13,8 @@
     <p:sldId id="261" r:id="rId7"/>
     <p:sldId id="262" r:id="rId8"/>
     <p:sldId id="263" r:id="rId9"/>
+    <p:sldId id="264" r:id="rId10"/>
+    <p:sldId id="265" r:id="rId11"/>
   </p:sldIdLst>
   <p:sldSz cx="12192000" cy="6858000"/>
   <p:notesSz cx="6858000" cy="9144000"/>
@@ -111,6 +113,11 @@
       </a:defRPr>
     </a:lvl9pPr>
   </p:defaultTextStyle>
+  <p:extLst>
+    <p:ext uri="{EFAFB233-063F-42B5-8137-9DF3F51BA10A}">
+      <p15:sldGuideLst xmlns:p15="http://schemas.microsoft.com/office/powerpoint/2012/main"/>
+    </p:ext>
+  </p:extLst>
 </p:presentation>
 </file>
 
@@ -245,7 +252,7 @@
           <a:p>
             <a:fld id="{70948015-1BF3-4905-B3B5-2D5C840A120A}" type="datetimeFigureOut">
               <a:rPr lang="en-US" smtClean="0"/>
-              <a:t>1/11/2018</a:t>
+              <a:t>1/26/2018</a:t>
             </a:fld>
             <a:endParaRPr lang="en-US"/>
           </a:p>
@@ -415,7 +422,7 @@
           <a:p>
             <a:fld id="{70948015-1BF3-4905-B3B5-2D5C840A120A}" type="datetimeFigureOut">
               <a:rPr lang="en-US" smtClean="0"/>
-              <a:t>1/11/2018</a:t>
+              <a:t>1/26/2018</a:t>
             </a:fld>
             <a:endParaRPr lang="en-US"/>
           </a:p>
@@ -595,7 +602,7 @@
           <a:p>
             <a:fld id="{70948015-1BF3-4905-B3B5-2D5C840A120A}" type="datetimeFigureOut">
               <a:rPr lang="en-US" smtClean="0"/>
-              <a:t>1/11/2018</a:t>
+              <a:t>1/26/2018</a:t>
             </a:fld>
             <a:endParaRPr lang="en-US"/>
           </a:p>
@@ -765,7 +772,7 @@
           <a:p>
             <a:fld id="{70948015-1BF3-4905-B3B5-2D5C840A120A}" type="datetimeFigureOut">
               <a:rPr lang="en-US" smtClean="0"/>
-              <a:t>1/11/2018</a:t>
+              <a:t>1/26/2018</a:t>
             </a:fld>
             <a:endParaRPr lang="en-US"/>
           </a:p>
@@ -1011,7 +1018,7 @@
           <a:p>
             <a:fld id="{70948015-1BF3-4905-B3B5-2D5C840A120A}" type="datetimeFigureOut">
               <a:rPr lang="en-US" smtClean="0"/>
-              <a:t>1/11/2018</a:t>
+              <a:t>1/26/2018</a:t>
             </a:fld>
             <a:endParaRPr lang="en-US"/>
           </a:p>
@@ -1243,7 +1250,7 @@
           <a:p>
             <a:fld id="{70948015-1BF3-4905-B3B5-2D5C840A120A}" type="datetimeFigureOut">
               <a:rPr lang="en-US" smtClean="0"/>
-              <a:t>1/11/2018</a:t>
+              <a:t>1/26/2018</a:t>
             </a:fld>
             <a:endParaRPr lang="en-US"/>
           </a:p>
@@ -1610,7 +1617,7 @@
           <a:p>
             <a:fld id="{70948015-1BF3-4905-B3B5-2D5C840A120A}" type="datetimeFigureOut">
               <a:rPr lang="en-US" smtClean="0"/>
-              <a:t>1/11/2018</a:t>
+              <a:t>1/26/2018</a:t>
             </a:fld>
             <a:endParaRPr lang="en-US"/>
           </a:p>
@@ -1728,7 +1735,7 @@
           <a:p>
             <a:fld id="{70948015-1BF3-4905-B3B5-2D5C840A120A}" type="datetimeFigureOut">
               <a:rPr lang="en-US" smtClean="0"/>
-              <a:t>1/11/2018</a:t>
+              <a:t>1/26/2018</a:t>
             </a:fld>
             <a:endParaRPr lang="en-US"/>
           </a:p>
@@ -1823,7 +1830,7 @@
           <a:p>
             <a:fld id="{70948015-1BF3-4905-B3B5-2D5C840A120A}" type="datetimeFigureOut">
               <a:rPr lang="en-US" smtClean="0"/>
-              <a:t>1/11/2018</a:t>
+              <a:t>1/26/2018</a:t>
             </a:fld>
             <a:endParaRPr lang="en-US"/>
           </a:p>
@@ -2100,7 +2107,7 @@
           <a:p>
             <a:fld id="{70948015-1BF3-4905-B3B5-2D5C840A120A}" type="datetimeFigureOut">
               <a:rPr lang="en-US" smtClean="0"/>
-              <a:t>1/11/2018</a:t>
+              <a:t>1/26/2018</a:t>
             </a:fld>
             <a:endParaRPr lang="en-US"/>
           </a:p>
@@ -2353,7 +2360,7 @@
           <a:p>
             <a:fld id="{70948015-1BF3-4905-B3B5-2D5C840A120A}" type="datetimeFigureOut">
               <a:rPr lang="en-US" smtClean="0"/>
-              <a:t>1/11/2018</a:t>
+              <a:t>1/26/2018</a:t>
             </a:fld>
             <a:endParaRPr lang="en-US"/>
           </a:p>
@@ -2566,7 +2573,7 @@
           <a:p>
             <a:fld id="{70948015-1BF3-4905-B3B5-2D5C840A120A}" type="datetimeFigureOut">
               <a:rPr lang="en-US" smtClean="0"/>
-              <a:t>1/11/2018</a:t>
+              <a:t>1/26/2018</a:t>
             </a:fld>
             <a:endParaRPr lang="en-US"/>
           </a:p>
@@ -3036,6 +3043,111 @@
 </p:sld>
 </file>
 
+<file path=ppt/slides/slide10.xml><?xml version="1.0" encoding="utf-8"?>
+<p:sld xmlns:a="http://schemas.openxmlformats.org/drawingml/2006/main" xmlns:r="http://schemas.openxmlformats.org/officeDocument/2006/relationships" xmlns:p="http://schemas.openxmlformats.org/presentationml/2006/main">
+  <p:cSld>
+    <p:spTree>
+      <p:nvGrpSpPr>
+        <p:cNvPr id="1" name=""/>
+        <p:cNvGrpSpPr/>
+        <p:nvPr/>
+      </p:nvGrpSpPr>
+      <p:grpSpPr>
+        <a:xfrm>
+          <a:off x="0" y="0"/>
+          <a:ext cx="0" cy="0"/>
+          <a:chOff x="0" y="0"/>
+          <a:chExt cx="0" cy="0"/>
+        </a:xfrm>
+      </p:grpSpPr>
+      <p:sp>
+        <p:nvSpPr>
+          <p:cNvPr id="2" name="Title 1"/>
+          <p:cNvSpPr>
+            <a:spLocks noGrp="1"/>
+          </p:cNvSpPr>
+          <p:nvPr>
+            <p:ph type="title"/>
+          </p:nvPr>
+        </p:nvSpPr>
+        <p:spPr/>
+        <p:txBody>
+          <a:bodyPr/>
+          <a:lstStyle/>
+          <a:p>
+            <a:r>
+              <a:rPr lang="en-US" b="1" dirty="0" err="1" smtClean="0"/>
+              <a:t>TCdfs</a:t>
+            </a:r>
+            <a:endParaRPr lang="en-US" b="1" dirty="0"/>
+          </a:p>
+        </p:txBody>
+      </p:sp>
+      <p:sp>
+        <p:nvSpPr>
+          <p:cNvPr id="3" name="Content Placeholder 2"/>
+          <p:cNvSpPr>
+            <a:spLocks noGrp="1"/>
+          </p:cNvSpPr>
+          <p:nvPr>
+            <p:ph idx="1"/>
+          </p:nvPr>
+        </p:nvSpPr>
+        <p:spPr/>
+        <p:txBody>
+          <a:bodyPr/>
+          <a:lstStyle/>
+          <a:p>
+            <a:r>
+              <a:rPr lang="en-US" dirty="0"/>
+              <a:t>in </a:t>
+            </a:r>
+            <a:r>
+              <a:rPr lang="en-US" dirty="0" err="1"/>
+              <a:t>AlgolabTest</a:t>
+            </a:r>
+            <a:r>
+              <a:rPr lang="en-US" dirty="0"/>
+              <a:t> you can only see the MSG for TC in the TelecoilMic1 input mode, when no DFS initialization have been done for the mics. in the latter case you will only see MSG for the mics.</a:t>
+            </a:r>
+          </a:p>
+          <a:p>
+            <a:pPr lvl="1"/>
+            <a:r>
+              <a:rPr lang="en-US" dirty="0" smtClean="0"/>
+              <a:t>I </a:t>
+            </a:r>
+            <a:r>
+              <a:rPr lang="en-US" dirty="0"/>
+              <a:t>guess the reason for this is, that the MSG for </a:t>
+            </a:r>
+            <a:r>
+              <a:rPr lang="en-US" dirty="0" err="1"/>
+              <a:t>telecoil</a:t>
+            </a:r>
+            <a:r>
+              <a:rPr lang="en-US" dirty="0"/>
+              <a:t> is normally much higher and relevant in TelecoilMic1 scenarios</a:t>
+            </a:r>
+          </a:p>
+          <a:p>
+            <a:endParaRPr lang="en-US" dirty="0"/>
+          </a:p>
+        </p:txBody>
+      </p:sp>
+    </p:spTree>
+    <p:extLst>
+      <p:ext uri="{BB962C8B-B14F-4D97-AF65-F5344CB8AC3E}">
+        <p14:creationId xmlns:p14="http://schemas.microsoft.com/office/powerpoint/2010/main" val="3105929196"/>
+      </p:ext>
+    </p:extLst>
+  </p:cSld>
+  <p:clrMapOvr>
+    <a:masterClrMapping/>
+  </p:clrMapOvr>
+</p:sld>
+</file>
+
 <file path=ppt/slides/slide2.xml><?xml version="1.0" encoding="utf-8"?>
 <p:sld xmlns:a="http://schemas.openxmlformats.org/drawingml/2006/main" xmlns:r="http://schemas.openxmlformats.org/officeDocument/2006/relationships" xmlns:p="http://schemas.openxmlformats.org/presentationml/2006/main">
   <p:cSld>
@@ -3792,6 +3904,139 @@
       </p:par>
     </p:tnLst>
   </p:timing>
+</p:sld>
+</file>
+
+<file path=ppt/slides/slide9.xml><?xml version="1.0" encoding="utf-8"?>
+<p:sld xmlns:a="http://schemas.openxmlformats.org/drawingml/2006/main" xmlns:r="http://schemas.openxmlformats.org/officeDocument/2006/relationships" xmlns:p="http://schemas.openxmlformats.org/presentationml/2006/main">
+  <p:cSld>
+    <p:spTree>
+      <p:nvGrpSpPr>
+        <p:cNvPr id="1" name=""/>
+        <p:cNvGrpSpPr/>
+        <p:nvPr/>
+      </p:nvGrpSpPr>
+      <p:grpSpPr>
+        <a:xfrm>
+          <a:off x="0" y="0"/>
+          <a:ext cx="0" cy="0"/>
+          <a:chOff x="0" y="0"/>
+          <a:chExt cx="0" cy="0"/>
+        </a:xfrm>
+      </p:grpSpPr>
+      <p:sp>
+        <p:nvSpPr>
+          <p:cNvPr id="2" name="Title 1"/>
+          <p:cNvSpPr>
+            <a:spLocks noGrp="1"/>
+          </p:cNvSpPr>
+          <p:nvPr>
+            <p:ph type="title"/>
+          </p:nvPr>
+        </p:nvSpPr>
+        <p:spPr/>
+        <p:txBody>
+          <a:bodyPr/>
+          <a:lstStyle/>
+          <a:p>
+            <a:r>
+              <a:rPr lang="en-US" b="1" dirty="0" err="1" smtClean="0"/>
+              <a:t>TCdfs</a:t>
+            </a:r>
+            <a:endParaRPr lang="en-US" b="1" dirty="0"/>
+          </a:p>
+        </p:txBody>
+      </p:sp>
+      <p:sp>
+        <p:nvSpPr>
+          <p:cNvPr id="3" name="Content Placeholder 2"/>
+          <p:cNvSpPr>
+            <a:spLocks noGrp="1"/>
+          </p:cNvSpPr>
+          <p:nvPr>
+            <p:ph idx="1"/>
+          </p:nvPr>
+        </p:nvSpPr>
+        <p:spPr/>
+        <p:txBody>
+          <a:bodyPr>
+            <a:normAutofit/>
+          </a:bodyPr>
+          <a:lstStyle/>
+          <a:p>
+            <a:r>
+              <a:rPr lang="en-US" dirty="0"/>
+              <a:t>in the preliminary Dooku2 release for Cambridge, one issue found. the coefficients for the feedback filter </a:t>
+            </a:r>
+            <a:r>
+              <a:rPr lang="en-US" dirty="0" smtClean="0"/>
+              <a:t>was not </a:t>
+            </a:r>
+            <a:r>
+              <a:rPr lang="en-US" dirty="0"/>
+              <a:t>written correctly during TCDFS </a:t>
+            </a:r>
+            <a:r>
+              <a:rPr lang="en-US" dirty="0" err="1" smtClean="0"/>
+              <a:t>init.</a:t>
+            </a:r>
+            <a:endParaRPr lang="en-US" dirty="0" smtClean="0"/>
+          </a:p>
+          <a:p>
+            <a:pPr lvl="1"/>
+            <a:r>
+              <a:rPr lang="en-US" dirty="0" smtClean="0"/>
+              <a:t>and this is solved in the following database patch:</a:t>
+            </a:r>
+            <a:r>
+              <a:rPr lang="en-US" i="1" dirty="0" smtClean="0"/>
+              <a:t>\\Hearing\Data\Releases\</a:t>
+            </a:r>
+            <a:r>
+              <a:rPr lang="en-US" i="1" dirty="0" err="1" smtClean="0"/>
+              <a:t>AlgorithmDeliveries</a:t>
+            </a:r>
+            <a:r>
+              <a:rPr lang="en-US" i="1" dirty="0" smtClean="0"/>
+              <a:t>\Dooku2\Dooku1Cambridge1\DB Patch (TCDFS + CDI Creation)\</a:t>
+            </a:r>
+            <a:r>
+              <a:rPr lang="en-US" i="1" dirty="0" err="1" smtClean="0"/>
+              <a:t>RatatoskConfiguration.sdf</a:t>
+            </a:r>
+            <a:endParaRPr lang="en-US" i="1" dirty="0"/>
+          </a:p>
+          <a:p>
+            <a:r>
+              <a:rPr lang="en-US" dirty="0"/>
+              <a:t>The TCDFS in </a:t>
+            </a:r>
+            <a:r>
+              <a:rPr lang="en-US" dirty="0" err="1"/>
+              <a:t>Dooku</a:t>
+            </a:r>
+            <a:r>
+              <a:rPr lang="en-US" dirty="0"/>
+              <a:t> should be the same as for Palpatine6. The same functionality has been </a:t>
+            </a:r>
+            <a:r>
+              <a:rPr lang="en-US" dirty="0" smtClean="0"/>
+              <a:t>ported.</a:t>
+            </a:r>
+            <a:endParaRPr lang="en-US" dirty="0"/>
+          </a:p>
+        </p:txBody>
+      </p:sp>
+    </p:spTree>
+    <p:extLst>
+      <p:ext uri="{BB962C8B-B14F-4D97-AF65-F5344CB8AC3E}">
+        <p14:creationId xmlns:p14="http://schemas.microsoft.com/office/powerpoint/2010/main" val="509238552"/>
+      </p:ext>
+    </p:extLst>
+  </p:cSld>
+  <p:clrMapOvr>
+    <a:masterClrMapping/>
+  </p:clrMapOvr>
 </p:sld>
 </file>
 
